--- a/PubMedQA.pptx
+++ b/PubMedQA.pptx
@@ -278,7 +278,7 @@
           <a:p>
             <a:fld id="{C43A76A3-ADC8-4477-8FC1-B9DD55D84908}" type="datetime1">
               <a:rPr lang="en-US" smtClean="0"/>
-              <a:t>4/25/2024</a:t>
+              <a:t>4/25/24</a:t>
             </a:fld>
             <a:endParaRPr lang="en-US" dirty="0"/>
           </a:p>
@@ -476,7 +476,7 @@
           <a:p>
             <a:fld id="{D6762538-DC4D-4667-96E5-B3278DDF8B12}" type="datetime1">
               <a:rPr lang="en-US" smtClean="0"/>
-              <a:t>4/25/2024</a:t>
+              <a:t>4/25/24</a:t>
             </a:fld>
             <a:endParaRPr lang="en-US"/>
           </a:p>
@@ -684,7 +684,7 @@
           <a:p>
             <a:fld id="{05880548-5C08-4BE3-B63E-F2BB63B0B00C}" type="datetime1">
               <a:rPr lang="en-US" smtClean="0"/>
-              <a:t>4/25/2024</a:t>
+              <a:t>4/25/24</a:t>
             </a:fld>
             <a:endParaRPr lang="en-US"/>
           </a:p>
@@ -882,7 +882,7 @@
           <a:p>
             <a:fld id="{DE7F49BE-398D-479A-8A7E-5DDBCA61EDCB}" type="datetime1">
               <a:rPr lang="en-US" smtClean="0"/>
-              <a:t>4/25/2024</a:t>
+              <a:t>4/25/24</a:t>
             </a:fld>
             <a:endParaRPr lang="en-US"/>
           </a:p>
@@ -1158,7 +1158,7 @@
           <a:p>
             <a:fld id="{CCD0C193-4974-4A1F-9C63-07D595E30D66}" type="datetime1">
               <a:rPr lang="en-US" smtClean="0"/>
-              <a:t>4/25/2024</a:t>
+              <a:t>4/25/24</a:t>
             </a:fld>
             <a:endParaRPr lang="en-US"/>
           </a:p>
@@ -1425,7 +1425,7 @@
           <a:p>
             <a:fld id="{701AA87F-28D4-4BF0-B81F-877A89DFD5AC}" type="datetime1">
               <a:rPr lang="en-US" smtClean="0"/>
-              <a:t>4/25/2024</a:t>
+              <a:t>4/25/24</a:t>
             </a:fld>
             <a:endParaRPr lang="en-US"/>
           </a:p>
@@ -1839,7 +1839,7 @@
           <a:p>
             <a:fld id="{A8A9F1F3-208B-49A3-B337-9C8ACEB3E0E1}" type="datetime1">
               <a:rPr lang="en-US" smtClean="0"/>
-              <a:t>4/25/2024</a:t>
+              <a:t>4/25/24</a:t>
             </a:fld>
             <a:endParaRPr lang="en-US"/>
           </a:p>
@@ -1986,7 +1986,7 @@
           <a:p>
             <a:fld id="{27AF6CA6-7293-4AA2-A0E0-A3BF4416E786}" type="datetime1">
               <a:rPr lang="en-US" smtClean="0"/>
-              <a:t>4/25/2024</a:t>
+              <a:t>4/25/24</a:t>
             </a:fld>
             <a:endParaRPr lang="en-US"/>
           </a:p>
@@ -2099,7 +2099,7 @@
           <a:p>
             <a:fld id="{98D87016-7BCD-46FB-8EE3-AB6C369108B4}" type="datetime1">
               <a:rPr lang="en-US" smtClean="0"/>
-              <a:t>4/25/2024</a:t>
+              <a:t>4/25/24</a:t>
             </a:fld>
             <a:endParaRPr lang="en-US"/>
           </a:p>
@@ -2418,7 +2418,7 @@
           <a:p>
             <a:fld id="{A1547011-1FFC-4EF8-9A2E-53B4AD2ADBD4}" type="datetime1">
               <a:rPr lang="en-US" smtClean="0"/>
-              <a:t>4/25/2024</a:t>
+              <a:t>4/25/24</a:t>
             </a:fld>
             <a:endParaRPr lang="en-US"/>
           </a:p>
@@ -2713,7 +2713,7 @@
           <a:p>
             <a:fld id="{9562EB47-45B4-4EF5-A743-B4885DD2F060}" type="datetime1">
               <a:rPr lang="en-US" smtClean="0"/>
-              <a:t>4/25/2024</a:t>
+              <a:t>4/25/24</a:t>
             </a:fld>
             <a:endParaRPr lang="en-US"/>
           </a:p>
@@ -4098,7 +4098,7 @@
           <a:p>
             <a:fld id="{4A8D24A4-5FEC-4062-8995-EB21925B3B40}" type="datetime1">
               <a:rPr lang="en-US" smtClean="0"/>
-              <a:t>4/25/2024</a:t>
+              <a:t>4/25/24</a:t>
             </a:fld>
             <a:endParaRPr lang="en-US" sz="1000" dirty="0"/>
           </a:p>
@@ -8174,7 +8174,7 @@
           <a:p>
             <a:r>
               <a:rPr lang="en-US" dirty="0"/>
-              <a:t>Top Results </a:t>
+              <a:t>Sample Results </a:t>
             </a:r>
           </a:p>
         </p:txBody>
@@ -8659,7 +8659,7 @@
           <p:nvPr>
             <p:extLst>
               <p:ext uri="{D42A27DB-BD31-4B8C-83A1-F6EECF244321}">
-                <p14:modId xmlns:p14="http://schemas.microsoft.com/office/powerpoint/2010/main" val="3340726559"/>
+                <p14:modId xmlns:p14="http://schemas.microsoft.com/office/powerpoint/2010/main" val="74353607"/>
               </p:ext>
             </p:extLst>
           </p:nvPr>
@@ -8843,9 +8843,13 @@
                     <a:p>
                       <a:pPr algn="ctr" fontAlgn="ctr"/>
                       <a:r>
-                        <a:rPr lang="en-GB" sz="1800" dirty="0">
+                        <a:rPr lang="en-GB" sz="1800" b="0" i="0" u="none" strike="noStrike">
+                          <a:solidFill>
+                            <a:srgbClr val="000000"/>
+                          </a:solidFill>
                           <a:effectLst/>
-                          <a:latin typeface="Calibri"/>
+                          <a:latin typeface="Calibri" panose="020F0502020204030204" pitchFamily="34" charset="0"/>
+                          <a:cs typeface="Calibri" panose="020F0502020204030204" pitchFamily="34" charset="0"/>
                         </a:rPr>
                         <a:t>256.00</a:t>
                       </a:r>
@@ -8874,9 +8878,13 @@
                     <a:p>
                       <a:pPr algn="ctr" fontAlgn="ctr"/>
                       <a:r>
-                        <a:rPr lang="en-GB" sz="1800" dirty="0">
+                        <a:rPr lang="en-GB" sz="1800" b="0" i="0" u="none" strike="noStrike">
+                          <a:solidFill>
+                            <a:srgbClr val="000000"/>
+                          </a:solidFill>
                           <a:effectLst/>
-                          <a:latin typeface="Calibri"/>
+                          <a:latin typeface="Calibri" panose="020F0502020204030204" pitchFamily="34" charset="0"/>
+                          <a:cs typeface="Calibri" panose="020F0502020204030204" pitchFamily="34" charset="0"/>
                         </a:rPr>
                         <a:t>5.00</a:t>
                       </a:r>
@@ -8905,11 +8913,15 @@
                     <a:p>
                       <a:pPr algn="ctr" fontAlgn="ctr"/>
                       <a:r>
-                        <a:rPr lang="en-GB" sz="1800" dirty="0">
+                        <a:rPr lang="en-GB" sz="1800" b="0" i="0" u="none" strike="noStrike">
+                          <a:solidFill>
+                            <a:srgbClr val="000000"/>
+                          </a:solidFill>
                           <a:effectLst/>
-                          <a:latin typeface="Calibri"/>
+                          <a:latin typeface="Calibri" panose="020F0502020204030204" pitchFamily="34" charset="0"/>
+                          <a:cs typeface="Calibri" panose="020F0502020204030204" pitchFamily="34" charset="0"/>
                         </a:rPr>
-                        <a:t>0.50</a:t>
+                        <a:t>0.70</a:t>
                       </a:r>
                     </a:p>
                   </a:txBody>
@@ -8936,11 +8948,15 @@
                     <a:p>
                       <a:pPr algn="ctr" fontAlgn="ctr"/>
                       <a:r>
-                        <a:rPr lang="en-US" sz="1800" dirty="0">
+                        <a:rPr lang="en-US" sz="1800" b="0" i="0" u="none" strike="noStrike" dirty="0">
+                          <a:solidFill>
+                            <a:srgbClr val="000000"/>
+                          </a:solidFill>
                           <a:effectLst/>
-                          <a:latin typeface="Calibri"/>
+                          <a:latin typeface="Calibri" panose="020F0502020204030204" pitchFamily="34" charset="0"/>
+                          <a:cs typeface="Calibri" panose="020F0502020204030204" pitchFamily="34" charset="0"/>
                         </a:rPr>
-                        <a:t>64.92</a:t>
+                        <a:t>62.13</a:t>
                       </a:r>
                     </a:p>
                   </a:txBody>
@@ -8974,9 +8990,13 @@
                     <a:p>
                       <a:pPr algn="ctr" fontAlgn="ctr"/>
                       <a:r>
-                        <a:rPr lang="en-GB" sz="1800" dirty="0">
+                        <a:rPr lang="en-GB" sz="1800" b="0" i="0" u="none" strike="noStrike" dirty="0">
+                          <a:solidFill>
+                            <a:srgbClr val="000000"/>
+                          </a:solidFill>
                           <a:effectLst/>
-                          <a:latin typeface="Calibri"/>
+                          <a:latin typeface="Calibri" panose="020F0502020204030204" pitchFamily="34" charset="0"/>
+                          <a:cs typeface="Calibri" panose="020F0502020204030204" pitchFamily="34" charset="0"/>
                         </a:rPr>
                         <a:t>512.00</a:t>
                       </a:r>
@@ -9023,11 +9043,15 @@
                     <a:p>
                       <a:pPr algn="ctr" fontAlgn="ctr"/>
                       <a:r>
-                        <a:rPr lang="en-GB" sz="1800" dirty="0">
+                        <a:rPr lang="en-GB" sz="1800" b="0" i="0" u="none" strike="noStrike">
+                          <a:solidFill>
+                            <a:srgbClr val="000000"/>
+                          </a:solidFill>
                           <a:effectLst/>
-                          <a:latin typeface="Calibri"/>
+                          <a:latin typeface="Calibri" panose="020F0502020204030204" pitchFamily="34" charset="0"/>
+                          <a:cs typeface="Calibri" panose="020F0502020204030204" pitchFamily="34" charset="0"/>
                         </a:rPr>
-                        <a:t>5.00</a:t>
+                        <a:t>2.00</a:t>
                       </a:r>
                     </a:p>
                   </a:txBody>
@@ -9060,11 +9084,15 @@
                     <a:p>
                       <a:pPr algn="ctr" fontAlgn="ctr"/>
                       <a:r>
-                        <a:rPr lang="en-GB" sz="1800" dirty="0">
+                        <a:rPr lang="en-GB" sz="1800" b="0" i="0" u="none" strike="noStrike">
+                          <a:solidFill>
+                            <a:srgbClr val="000000"/>
+                          </a:solidFill>
                           <a:effectLst/>
-                          <a:latin typeface="Calibri"/>
+                          <a:latin typeface="Calibri" panose="020F0502020204030204" pitchFamily="34" charset="0"/>
+                          <a:cs typeface="Calibri" panose="020F0502020204030204" pitchFamily="34" charset="0"/>
                         </a:rPr>
-                        <a:t>0.60</a:t>
+                        <a:t>0.50</a:t>
                       </a:r>
                     </a:p>
                   </a:txBody>
@@ -9091,11 +9119,15 @@
                     <a:p>
                       <a:pPr algn="ctr" fontAlgn="ctr"/>
                       <a:r>
-                        <a:rPr lang="en-US" sz="1800" dirty="0">
+                        <a:rPr lang="en-US" sz="1800" b="0" i="0" u="none" strike="noStrike" dirty="0">
+                          <a:solidFill>
+                            <a:srgbClr val="000000"/>
+                          </a:solidFill>
                           <a:effectLst/>
-                          <a:latin typeface="Calibri"/>
+                          <a:latin typeface="Calibri" panose="020F0502020204030204" pitchFamily="34" charset="0"/>
+                          <a:cs typeface="Calibri" panose="020F0502020204030204" pitchFamily="34" charset="0"/>
                         </a:rPr>
-                        <a:t>64.78</a:t>
+                        <a:t>61.06</a:t>
                       </a:r>
                     </a:p>
                   </a:txBody>
@@ -9516,7 +9548,7 @@
           <p:nvPr>
             <p:extLst>
               <p:ext uri="{D42A27DB-BD31-4B8C-83A1-F6EECF244321}">
-                <p14:modId xmlns:p14="http://schemas.microsoft.com/office/powerpoint/2010/main" val="3908381767"/>
+                <p14:modId xmlns:p14="http://schemas.microsoft.com/office/powerpoint/2010/main" val="1484539050"/>
               </p:ext>
             </p:extLst>
           </p:nvPr>
@@ -9700,9 +9732,13 @@
                     <a:p>
                       <a:pPr algn="ctr" fontAlgn="ctr"/>
                       <a:r>
-                        <a:rPr lang="en-GB" sz="1800" dirty="0">
+                        <a:rPr lang="en-GB" sz="1800" b="0" i="0" u="none" strike="noStrike">
+                          <a:solidFill>
+                            <a:srgbClr val="000000"/>
+                          </a:solidFill>
                           <a:effectLst/>
-                          <a:latin typeface="Calibri"/>
+                          <a:latin typeface="Calibri" panose="020F0502020204030204" pitchFamily="34" charset="0"/>
+                          <a:cs typeface="Calibri" panose="020F0502020204030204" pitchFamily="34" charset="0"/>
                         </a:rPr>
                         <a:t>512.00</a:t>
                       </a:r>
@@ -9731,11 +9767,15 @@
                     <a:p>
                       <a:pPr algn="ctr" fontAlgn="ctr"/>
                       <a:r>
-                        <a:rPr lang="en-GB" sz="1800" dirty="0">
+                        <a:rPr lang="en-GB" sz="1800" b="0" i="0" u="none" strike="noStrike">
+                          <a:solidFill>
+                            <a:srgbClr val="000000"/>
+                          </a:solidFill>
                           <a:effectLst/>
-                          <a:latin typeface="Calibri"/>
+                          <a:latin typeface="Calibri" panose="020F0502020204030204" pitchFamily="34" charset="0"/>
+                          <a:cs typeface="Calibri" panose="020F0502020204030204" pitchFamily="34" charset="0"/>
                         </a:rPr>
-                        <a:t>2.00</a:t>
+                        <a:t>5.00</a:t>
                       </a:r>
                     </a:p>
                   </a:txBody>
@@ -9762,11 +9802,15 @@
                     <a:p>
                       <a:pPr algn="ctr" fontAlgn="ctr"/>
                       <a:r>
-                        <a:rPr lang="en-GB" sz="1800" dirty="0">
+                        <a:rPr lang="en-GB" sz="1800" b="0" i="0" u="none" strike="noStrike" dirty="0">
+                          <a:solidFill>
+                            <a:srgbClr val="000000"/>
+                          </a:solidFill>
                           <a:effectLst/>
-                          <a:latin typeface="Calibri"/>
+                          <a:latin typeface="Calibri" panose="020F0502020204030204" pitchFamily="34" charset="0"/>
+                          <a:cs typeface="Calibri" panose="020F0502020204030204" pitchFamily="34" charset="0"/>
                         </a:rPr>
-                        <a:t>0.60</a:t>
+                        <a:t>0.70</a:t>
                       </a:r>
                     </a:p>
                   </a:txBody>
@@ -9797,7 +9841,7 @@
                           <a:effectLst/>
                           <a:latin typeface="Calibri"/>
                         </a:rPr>
-                        <a:t>51.61</a:t>
+                        <a:t>49.62</a:t>
                       </a:r>
                     </a:p>
                   </a:txBody>
@@ -9831,11 +9875,15 @@
                     <a:p>
                       <a:pPr algn="ctr" fontAlgn="ctr"/>
                       <a:r>
-                        <a:rPr lang="en-GB" sz="1800" dirty="0">
+                        <a:rPr lang="en-GB" sz="1800" b="0" i="0" u="none" strike="noStrike">
+                          <a:solidFill>
+                            <a:srgbClr val="000000"/>
+                          </a:solidFill>
                           <a:effectLst/>
-                          <a:latin typeface="Calibri"/>
+                          <a:latin typeface="Calibri" panose="020F0502020204030204" pitchFamily="34" charset="0"/>
+                          <a:cs typeface="Calibri" panose="020F0502020204030204" pitchFamily="34" charset="0"/>
                         </a:rPr>
-                        <a:t>256.00</a:t>
+                        <a:t>512.00</a:t>
                       </a:r>
                     </a:p>
                   </a:txBody>
@@ -9880,11 +9928,15 @@
                     <a:p>
                       <a:pPr algn="ctr" fontAlgn="ctr"/>
                       <a:r>
-                        <a:rPr lang="en-GB" sz="1800" dirty="0">
+                        <a:rPr lang="en-GB" sz="1800" b="0" i="0" u="none" strike="noStrike">
+                          <a:solidFill>
+                            <a:srgbClr val="000000"/>
+                          </a:solidFill>
                           <a:effectLst/>
-                          <a:latin typeface="Calibri"/>
+                          <a:latin typeface="Calibri" panose="020F0502020204030204" pitchFamily="34" charset="0"/>
+                          <a:cs typeface="Calibri" panose="020F0502020204030204" pitchFamily="34" charset="0"/>
                         </a:rPr>
-                        <a:t>5.00</a:t>
+                        <a:t>2.00</a:t>
                       </a:r>
                     </a:p>
                   </a:txBody>
@@ -9917,9 +9969,13 @@
                     <a:p>
                       <a:pPr algn="ctr" fontAlgn="ctr"/>
                       <a:r>
-                        <a:rPr lang="en-GB" sz="1800" dirty="0">
+                        <a:rPr lang="en-GB" sz="1800" b="0" i="0" u="none" strike="noStrike">
+                          <a:solidFill>
+                            <a:srgbClr val="000000"/>
+                          </a:solidFill>
                           <a:effectLst/>
-                          <a:latin typeface="Calibri"/>
+                          <a:latin typeface="Calibri" panose="020F0502020204030204" pitchFamily="34" charset="0"/>
+                          <a:cs typeface="Calibri" panose="020F0502020204030204" pitchFamily="34" charset="0"/>
                         </a:rPr>
                         <a:t>0.50</a:t>
                       </a:r>
@@ -9948,11 +10004,15 @@
                     <a:p>
                       <a:pPr algn="ctr" fontAlgn="ctr"/>
                       <a:r>
-                        <a:rPr lang="en-US" sz="1800" dirty="0">
+                        <a:rPr lang="en-US" sz="1800" b="0" i="0" u="none" strike="noStrike" dirty="0">
+                          <a:solidFill>
+                            <a:srgbClr val="000000"/>
+                          </a:solidFill>
                           <a:effectLst/>
-                          <a:latin typeface="Calibri"/>
+                          <a:latin typeface="Calibri" panose="020F0502020204030204" pitchFamily="34" charset="0"/>
+                          <a:cs typeface="Calibri" panose="020F0502020204030204" pitchFamily="34" charset="0"/>
                         </a:rPr>
-                        <a:t>51.54</a:t>
+                        <a:t>49.19</a:t>
                       </a:r>
                     </a:p>
                   </a:txBody>
